--- a/PPT/Phase-II-Seminar.pptx
+++ b/PPT/Phase-II-Seminar.pptx
@@ -32,33 +32,33 @@
   <p:notesSz cx="6858000" cy="9144000"/>
   <p:embeddedFontLst>
     <p:embeddedFont>
+      <p:font typeface="Century Gothic" panose="020B0502020202020204" pitchFamily="34" charset="0"/>
+      <p:regular r:id="rId22"/>
+      <p:bold r:id="rId23"/>
+      <p:italic r:id="rId24"/>
+      <p:boldItalic r:id="rId25"/>
+    </p:embeddedFont>
+    <p:embeddedFont>
+      <p:font typeface="Montserrat" panose="020B0604020202020204" charset="0"/>
+      <p:regular r:id="rId26"/>
+      <p:bold r:id="rId27"/>
+      <p:italic r:id="rId28"/>
+      <p:boldItalic r:id="rId29"/>
+    </p:embeddedFont>
+    <p:embeddedFont>
+      <p:font typeface="Lato" panose="020B0604020202020204" charset="0"/>
+      <p:regular r:id="rId30"/>
+      <p:bold r:id="rId31"/>
+      <p:italic r:id="rId32"/>
+      <p:boldItalic r:id="rId33"/>
+    </p:embeddedFont>
+    <p:embeddedFont>
       <p:font typeface="English111 Vivace BT" panose="03030702030607090B03" pitchFamily="66" charset="0"/>
-      <p:regular r:id="rId22"/>
+      <p:regular r:id="rId34"/>
     </p:embeddedFont>
     <p:embeddedFont>
       <p:font typeface="Wingdings 3" panose="05040102010807070707" pitchFamily="18" charset="2"/>
-      <p:regular r:id="rId23"/>
-    </p:embeddedFont>
-    <p:embeddedFont>
-      <p:font typeface="Century Gothic" panose="020B0502020202020204" pitchFamily="34" charset="0"/>
-      <p:regular r:id="rId24"/>
-      <p:bold r:id="rId25"/>
-      <p:italic r:id="rId26"/>
-      <p:boldItalic r:id="rId27"/>
-    </p:embeddedFont>
-    <p:embeddedFont>
-      <p:font typeface="Montserrat" panose="020B0604020202020204" charset="0"/>
-      <p:regular r:id="rId28"/>
-      <p:bold r:id="rId29"/>
-      <p:italic r:id="rId30"/>
-      <p:boldItalic r:id="rId31"/>
-    </p:embeddedFont>
-    <p:embeddedFont>
-      <p:font typeface="Lato" panose="020B0604020202020204" charset="0"/>
-      <p:regular r:id="rId32"/>
-      <p:bold r:id="rId33"/>
-      <p:italic r:id="rId34"/>
-      <p:boldItalic r:id="rId35"/>
+      <p:regular r:id="rId35"/>
     </p:embeddedFont>
   </p:embeddedFontLst>
   <p:defaultTextStyle>
@@ -2125,7 +2125,7 @@
           <a:p>
             <a:fld id="{4BDF68E2-58F2-4D09-BE8B-E3BD06533059}" type="datetimeFigureOut">
               <a:rPr lang="en-US" smtClean="0"/>
-              <a:t>4/6/2018</a:t>
+              <a:t>5/6/2018</a:t>
             </a:fld>
             <a:endParaRPr lang="en-US" dirty="0"/>
           </a:p>
@@ -2473,7 +2473,7 @@
           <a:p>
             <a:fld id="{98624D31-43A5-475A-80CF-332C9F6DCF35}" type="datetimeFigureOut">
               <a:rPr lang="en-US" smtClean="0"/>
-              <a:t>4/6/2018</a:t>
+              <a:t>5/6/2018</a:t>
             </a:fld>
             <a:endParaRPr lang="en-US" dirty="0"/>
           </a:p>
@@ -2884,7 +2884,7 @@
           <a:p>
             <a:fld id="{98624D31-43A5-475A-80CF-332C9F6DCF35}" type="datetimeFigureOut">
               <a:rPr lang="en-US" smtClean="0"/>
-              <a:t>4/6/2018</a:t>
+              <a:t>5/6/2018</a:t>
             </a:fld>
             <a:endParaRPr lang="en-US" dirty="0"/>
           </a:p>
@@ -3230,7 +3230,7 @@
           <a:p>
             <a:fld id="{98624D31-43A5-475A-80CF-332C9F6DCF35}" type="datetimeFigureOut">
               <a:rPr lang="en-US" smtClean="0"/>
-              <a:t>4/6/2018</a:t>
+              <a:t>5/6/2018</a:t>
             </a:fld>
             <a:endParaRPr lang="en-US" dirty="0"/>
           </a:p>
@@ -3560,7 +3560,7 @@
           <a:p>
             <a:fld id="{98624D31-43A5-475A-80CF-332C9F6DCF35}" type="datetimeFigureOut">
               <a:rPr lang="en-US" smtClean="0"/>
-              <a:t>4/6/2018</a:t>
+              <a:t>5/6/2018</a:t>
             </a:fld>
             <a:endParaRPr lang="en-US" dirty="0"/>
           </a:p>
@@ -3966,7 +3966,7 @@
           <a:p>
             <a:fld id="{98624D31-43A5-475A-80CF-332C9F6DCF35}" type="datetimeFigureOut">
               <a:rPr lang="en-US" smtClean="0"/>
-              <a:t>4/6/2018</a:t>
+              <a:t>5/6/2018</a:t>
             </a:fld>
             <a:endParaRPr lang="en-US" dirty="0"/>
           </a:p>
@@ -4233,7 +4233,7 @@
           <a:p>
             <a:fld id="{2E2D6473-DF6D-4702-B328-E0DD40540A4E}" type="datetimeFigureOut">
               <a:rPr lang="en-US" smtClean="0"/>
-              <a:t>4/6/2018</a:t>
+              <a:t>5/6/2018</a:t>
             </a:fld>
             <a:endParaRPr lang="en-US" dirty="0"/>
           </a:p>
@@ -4505,7 +4505,7 @@
           <a:p>
             <a:fld id="{E26F7E3A-B166-407D-9866-32884E7D5B37}" type="datetimeFigureOut">
               <a:rPr lang="en-US" smtClean="0"/>
-              <a:t>4/6/2018</a:t>
+              <a:t>5/6/2018</a:t>
             </a:fld>
             <a:endParaRPr lang="en-US" dirty="0"/>
           </a:p>
@@ -6774,7 +6774,7 @@
           <a:p>
             <a:fld id="{528FC5F6-F338-4AE4-BB23-26385BCFC423}" type="datetimeFigureOut">
               <a:rPr lang="en-US" smtClean="0"/>
-              <a:t>4/6/2018</a:t>
+              <a:t>5/6/2018</a:t>
             </a:fld>
             <a:endParaRPr lang="en-US" dirty="0"/>
           </a:p>
@@ -7113,7 +7113,7 @@
           <a:p>
             <a:fld id="{20EBB0C4-6273-4C6E-B9BD-2EDC30F1CD52}" type="datetimeFigureOut">
               <a:rPr lang="en-US" smtClean="0"/>
-              <a:t>4/6/2018</a:t>
+              <a:t>5/6/2018</a:t>
             </a:fld>
             <a:endParaRPr lang="en-US" dirty="0"/>
           </a:p>
@@ -7446,7 +7446,7 @@
           <a:p>
             <a:fld id="{19AB4D41-86C1-4908-B66A-0B50CEB3BF29}" type="datetimeFigureOut">
               <a:rPr lang="en-US" smtClean="0"/>
-              <a:t>4/6/2018</a:t>
+              <a:t>5/6/2018</a:t>
             </a:fld>
             <a:endParaRPr lang="en-US" dirty="0"/>
           </a:p>
@@ -7913,7 +7913,7 @@
           <a:p>
             <a:fld id="{E6426E2C-56C1-4E0D-A793-0088A7FDD37E}" type="datetimeFigureOut">
               <a:rPr lang="en-US" smtClean="0"/>
-              <a:t>4/6/2018</a:t>
+              <a:t>5/6/2018</a:t>
             </a:fld>
             <a:endParaRPr lang="en-US" dirty="0"/>
           </a:p>
@@ -8128,7 +8128,7 @@
           <a:p>
             <a:fld id="{C8C39B41-D8B5-4052-B551-9B5525EAA8B6}" type="datetimeFigureOut">
               <a:rPr lang="en-US" smtClean="0"/>
-              <a:t>4/6/2018</a:t>
+              <a:t>5/6/2018</a:t>
             </a:fld>
             <a:endParaRPr lang="en-US" dirty="0"/>
           </a:p>
@@ -8315,7 +8315,7 @@
           <a:p>
             <a:fld id="{4D94136C-8742-45B2-AF27-D93DF72833A9}" type="datetimeFigureOut">
               <a:rPr lang="en-US" smtClean="0"/>
-              <a:t>4/6/2018</a:t>
+              <a:t>5/6/2018</a:t>
             </a:fld>
             <a:endParaRPr lang="en-US" dirty="0"/>
           </a:p>
@@ -8658,7 +8658,7 @@
           <a:p>
             <a:fld id="{32ABBEA6-7C60-4B02-AE87-00D78D8422AF}" type="datetimeFigureOut">
               <a:rPr lang="en-US" smtClean="0"/>
-              <a:t>4/6/2018</a:t>
+              <a:t>5/6/2018</a:t>
             </a:fld>
             <a:endParaRPr lang="en-US" dirty="0"/>
           </a:p>
@@ -9013,7 +9013,7 @@
           <a:p>
             <a:fld id="{C9CAD897-D46E-4AD2-BD9B-49DD3E640873}" type="datetimeFigureOut">
               <a:rPr lang="en-US" smtClean="0"/>
-              <a:t>4/6/2018</a:t>
+              <a:t>5/6/2018</a:t>
             </a:fld>
             <a:endParaRPr lang="en-US" dirty="0"/>
           </a:p>
@@ -11140,7 +11140,7 @@
           <a:p>
             <a:fld id="{98624D31-43A5-475A-80CF-332C9F6DCF35}" type="datetimeFigureOut">
               <a:rPr lang="en-US" smtClean="0"/>
-              <a:t>4/6/2018</a:t>
+              <a:t>5/6/2018</a:t>
             </a:fld>
             <a:endParaRPr lang="en-US" dirty="0"/>
           </a:p>
@@ -20247,7 +20247,7 @@
                 </a:solidFill>
                 <a:latin typeface="Montserrat" panose="020B0604020202020204" charset="0"/>
               </a:rPr>
-              <a:t>Final model</a:t>
+              <a:t>Final study</a:t>
             </a:r>
           </a:p>
           <a:p>
